--- a/project/amoba_ppt.pptx
+++ b/project/amoba_ppt.pptx
@@ -10,8 +10,9 @@
     <p:sldId id="259" r:id="rId4"/>
     <p:sldId id="260" r:id="rId5"/>
     <p:sldId id="258" r:id="rId6"/>
-    <p:sldId id="261" r:id="rId7"/>
-    <p:sldId id="262" r:id="rId8"/>
+    <p:sldId id="263" r:id="rId7"/>
+    <p:sldId id="261" r:id="rId8"/>
+    <p:sldId id="262" r:id="rId9"/>
   </p:sldIdLst>
   <p:sldSz cx="12192000" cy="6858000"/>
   <p:notesSz cx="6858000" cy="9144000"/>
@@ -110,6 +111,11 @@
       </a:defRPr>
     </a:lvl9pPr>
   </p:defaultTextStyle>
+  <p:extLst>
+    <p:ext uri="{EFAFB233-063F-42B5-8137-9DF3F51BA10A}">
+      <p15:sldGuideLst xmlns:p15="http://schemas.microsoft.com/office/powerpoint/2012/main"/>
+    </p:ext>
+  </p:extLst>
 </p:presentation>
 </file>
 
@@ -2823,7 +2829,7 @@
           <a:p>
             <a:fld id="{FD67407E-196E-4A25-9B53-C8713562AB12}" type="datetimeFigureOut">
               <a:rPr lang="hu-HU" smtClean="0"/>
-              <a:t>2023. 05. 29.</a:t>
+              <a:t>2023. 05. 30.</a:t>
             </a:fld>
             <a:endParaRPr lang="hu-HU"/>
           </a:p>
@@ -3021,7 +3027,7 @@
           <a:p>
             <a:fld id="{FD67407E-196E-4A25-9B53-C8713562AB12}" type="datetimeFigureOut">
               <a:rPr lang="hu-HU" smtClean="0"/>
-              <a:t>2023. 05. 29.</a:t>
+              <a:t>2023. 05. 30.</a:t>
             </a:fld>
             <a:endParaRPr lang="hu-HU"/>
           </a:p>
@@ -3229,7 +3235,7 @@
           <a:p>
             <a:fld id="{FD67407E-196E-4A25-9B53-C8713562AB12}" type="datetimeFigureOut">
               <a:rPr lang="hu-HU" smtClean="0"/>
-              <a:t>2023. 05. 29.</a:t>
+              <a:t>2023. 05. 30.</a:t>
             </a:fld>
             <a:endParaRPr lang="hu-HU"/>
           </a:p>
@@ -3427,7 +3433,7 @@
           <a:p>
             <a:fld id="{FD67407E-196E-4A25-9B53-C8713562AB12}" type="datetimeFigureOut">
               <a:rPr lang="hu-HU" smtClean="0"/>
-              <a:t>2023. 05. 29.</a:t>
+              <a:t>2023. 05. 30.</a:t>
             </a:fld>
             <a:endParaRPr lang="hu-HU"/>
           </a:p>
@@ -3702,7 +3708,7 @@
           <a:p>
             <a:fld id="{FD67407E-196E-4A25-9B53-C8713562AB12}" type="datetimeFigureOut">
               <a:rPr lang="hu-HU" smtClean="0"/>
-              <a:t>2023. 05. 29.</a:t>
+              <a:t>2023. 05. 30.</a:t>
             </a:fld>
             <a:endParaRPr lang="hu-HU"/>
           </a:p>
@@ -3967,7 +3973,7 @@
           <a:p>
             <a:fld id="{FD67407E-196E-4A25-9B53-C8713562AB12}" type="datetimeFigureOut">
               <a:rPr lang="hu-HU" smtClean="0"/>
-              <a:t>2023. 05. 29.</a:t>
+              <a:t>2023. 05. 30.</a:t>
             </a:fld>
             <a:endParaRPr lang="hu-HU"/>
           </a:p>
@@ -4379,7 +4385,7 @@
           <a:p>
             <a:fld id="{FD67407E-196E-4A25-9B53-C8713562AB12}" type="datetimeFigureOut">
               <a:rPr lang="hu-HU" smtClean="0"/>
-              <a:t>2023. 05. 29.</a:t>
+              <a:t>2023. 05. 30.</a:t>
             </a:fld>
             <a:endParaRPr lang="hu-HU"/>
           </a:p>
@@ -4520,7 +4526,7 @@
           <a:p>
             <a:fld id="{FD67407E-196E-4A25-9B53-C8713562AB12}" type="datetimeFigureOut">
               <a:rPr lang="hu-HU" smtClean="0"/>
-              <a:t>2023. 05. 29.</a:t>
+              <a:t>2023. 05. 30.</a:t>
             </a:fld>
             <a:endParaRPr lang="hu-HU"/>
           </a:p>
@@ -4633,7 +4639,7 @@
           <a:p>
             <a:fld id="{FD67407E-196E-4A25-9B53-C8713562AB12}" type="datetimeFigureOut">
               <a:rPr lang="hu-HU" smtClean="0"/>
-              <a:t>2023. 05. 29.</a:t>
+              <a:t>2023. 05. 30.</a:t>
             </a:fld>
             <a:endParaRPr lang="hu-HU"/>
           </a:p>
@@ -4944,7 +4950,7 @@
           <a:p>
             <a:fld id="{FD67407E-196E-4A25-9B53-C8713562AB12}" type="datetimeFigureOut">
               <a:rPr lang="hu-HU" smtClean="0"/>
-              <a:t>2023. 05. 29.</a:t>
+              <a:t>2023. 05. 30.</a:t>
             </a:fld>
             <a:endParaRPr lang="hu-HU"/>
           </a:p>
@@ -5232,7 +5238,7 @@
           <a:p>
             <a:fld id="{FD67407E-196E-4A25-9B53-C8713562AB12}" type="datetimeFigureOut">
               <a:rPr lang="hu-HU" smtClean="0"/>
-              <a:t>2023. 05. 29.</a:t>
+              <a:t>2023. 05. 30.</a:t>
             </a:fld>
             <a:endParaRPr lang="hu-HU"/>
           </a:p>
@@ -5473,7 +5479,7 @@
           <a:p>
             <a:fld id="{FD67407E-196E-4A25-9B53-C8713562AB12}" type="datetimeFigureOut">
               <a:rPr lang="hu-HU" smtClean="0"/>
-              <a:t>2023. 05. 29.</a:t>
+              <a:t>2023. 05. 30.</a:t>
             </a:fld>
             <a:endParaRPr lang="hu-HU"/>
           </a:p>
@@ -6393,15 +6399,15 @@
                   <a:srgbClr val="FFFFFF"/>
                 </a:solidFill>
               </a:rPr>
-              <a:t>Téma: </a:t>
+              <a:t>Téma</a:t>
             </a:r>
             <a:r>
-              <a:rPr lang="hu-HU" dirty="0" err="1">
+              <a:rPr lang="hu-HU">
                 <a:solidFill>
                   <a:srgbClr val="FFFFFF"/>
                 </a:solidFill>
               </a:rPr>
-              <a:t>választahtó</a:t>
+              <a:t>: választható</a:t>
             </a:r>
             <a:endParaRPr lang="hu-HU" dirty="0">
               <a:solidFill>
@@ -10390,6 +10396,564 @@
 <file path=ppt/slides/slide6.xml><?xml version="1.0" encoding="utf-8"?>
 <p:sld xmlns:a="http://schemas.openxmlformats.org/drawingml/2006/main" xmlns:r="http://schemas.openxmlformats.org/officeDocument/2006/relationships" xmlns:p="http://schemas.openxmlformats.org/presentationml/2006/main">
   <p:cSld>
+    <p:bg>
+      <p:bgPr>
+        <a:solidFill>
+          <a:schemeClr val="bg1"/>
+        </a:solidFill>
+        <a:effectLst/>
+      </p:bgPr>
+    </p:bg>
+    <p:spTree>
+      <p:nvGrpSpPr>
+        <p:cNvPr id="1" name=""/>
+        <p:cNvGrpSpPr/>
+        <p:nvPr/>
+      </p:nvGrpSpPr>
+      <p:grpSpPr>
+        <a:xfrm>
+          <a:off x="0" y="0"/>
+          <a:ext cx="0" cy="0"/>
+          <a:chOff x="0" y="0"/>
+          <a:chExt cx="0" cy="0"/>
+        </a:xfrm>
+      </p:grpSpPr>
+      <p:sp useBgFill="1">
+        <p:nvSpPr>
+          <p:cNvPr id="25" name="Rectangle 17">
+            <a:extLst>
+              <a:ext uri="{FF2B5EF4-FFF2-40B4-BE49-F238E27FC236}">
+                <a16:creationId xmlns:a16="http://schemas.microsoft.com/office/drawing/2014/main" id="{59653884-08CE-4579-8A80-F00D55BF077F}"/>
+              </a:ext>
+              <a:ext uri="{C183D7F6-B498-43B3-948B-1728B52AA6E4}">
+                <adec:decorative xmlns:adec="http://schemas.microsoft.com/office/drawing/2017/decorative" val="1"/>
+              </a:ext>
+            </a:extLst>
+          </p:cNvPr>
+          <p:cNvSpPr>
+            <a:spLocks noGrp="1" noRot="1" noChangeAspect="1" noMove="1" noResize="1" noEditPoints="1" noAdjustHandles="1" noChangeArrowheads="1" noChangeShapeType="1" noTextEdit="1"/>
+          </p:cNvSpPr>
+          <p:nvPr>
+            <p:extLst>
+              <p:ext uri="{386F3935-93C4-4BCD-93E2-E3B085C9AB24}">
+                <p16:designElem xmlns:p16="http://schemas.microsoft.com/office/powerpoint/2015/main" val="1"/>
+              </p:ext>
+            </p:extLst>
+          </p:nvPr>
+        </p:nvSpPr>
+        <p:spPr>
+          <a:xfrm>
+            <a:off x="0" y="0"/>
+            <a:ext cx="12192000" cy="6858000"/>
+          </a:xfrm>
+          <a:prstGeom prst="rect">
+            <a:avLst/>
+          </a:prstGeom>
+          <a:ln>
+            <a:noFill/>
+          </a:ln>
+        </p:spPr>
+        <p:style>
+          <a:lnRef idx="2">
+            <a:schemeClr val="accent1">
+              <a:shade val="50000"/>
+            </a:schemeClr>
+          </a:lnRef>
+          <a:fillRef idx="1">
+            <a:schemeClr val="accent1"/>
+          </a:fillRef>
+          <a:effectRef idx="0">
+            <a:schemeClr val="accent1"/>
+          </a:effectRef>
+          <a:fontRef idx="minor">
+            <a:schemeClr val="lt1"/>
+          </a:fontRef>
+        </p:style>
+        <p:txBody>
+          <a:bodyPr rtlCol="0" anchor="ctr"/>
+          <a:lstStyle/>
+          <a:p>
+            <a:pPr algn="ctr"/>
+            <a:endParaRPr lang="en-US"/>
+          </a:p>
+        </p:txBody>
+      </p:sp>
+      <p:pic>
+        <p:nvPicPr>
+          <p:cNvPr id="5" name="Kép 4" descr="A képen szöveg, képernyőkép látható&#10;&#10;Automatikusan generált leírás">
+            <a:extLst>
+              <a:ext uri="{FF2B5EF4-FFF2-40B4-BE49-F238E27FC236}">
+                <a16:creationId xmlns:a16="http://schemas.microsoft.com/office/drawing/2014/main" id="{4AF6AE10-A40A-FDA9-DA1B-577D7ED0CEA5}"/>
+              </a:ext>
+            </a:extLst>
+          </p:cNvPr>
+          <p:cNvPicPr>
+            <a:picLocks noChangeAspect="1"/>
+          </p:cNvPicPr>
+          <p:nvPr/>
+        </p:nvPicPr>
+        <p:blipFill rotWithShape="1">
+          <a:blip r:embed="rId2">
+            <a:extLst>
+              <a:ext uri="{28A0092B-C50C-407E-A947-70E740481C1C}">
+                <a14:useLocalDpi xmlns:a14="http://schemas.microsoft.com/office/drawing/2010/main" val="0"/>
+              </a:ext>
+            </a:extLst>
+          </a:blip>
+          <a:srcRect l="11226" r="21246" b="-3"/>
+          <a:stretch/>
+        </p:blipFill>
+        <p:spPr>
+          <a:xfrm>
+            <a:off x="20" y="-1"/>
+            <a:ext cx="3936404" cy="6309360"/>
+          </a:xfrm>
+          <a:prstGeom prst="rect">
+            <a:avLst/>
+          </a:prstGeom>
+        </p:spPr>
+      </p:pic>
+      <p:sp useBgFill="1">
+        <p:nvSpPr>
+          <p:cNvPr id="26" name="Rectangle 19">
+            <a:extLst>
+              <a:ext uri="{FF2B5EF4-FFF2-40B4-BE49-F238E27FC236}">
+                <a16:creationId xmlns:a16="http://schemas.microsoft.com/office/drawing/2014/main" id="{720D4FAC-7B9A-4A4F-8E53-071522870B7B}"/>
+              </a:ext>
+              <a:ext uri="{C183D7F6-B498-43B3-948B-1728B52AA6E4}">
+                <adec:decorative xmlns:adec="http://schemas.microsoft.com/office/drawing/2017/decorative" val="1"/>
+              </a:ext>
+            </a:extLst>
+          </p:cNvPr>
+          <p:cNvSpPr>
+            <a:spLocks noGrp="1" noRot="1" noChangeAspect="1" noMove="1" noResize="1" noEditPoints="1" noAdjustHandles="1" noChangeArrowheads="1" noChangeShapeType="1" noTextEdit="1"/>
+          </p:cNvSpPr>
+          <p:nvPr>
+            <p:extLst>
+              <p:ext uri="{386F3935-93C4-4BCD-93E2-E3B085C9AB24}">
+                <p16:designElem xmlns:p16="http://schemas.microsoft.com/office/powerpoint/2015/main" val="1"/>
+              </p:ext>
+            </p:extLst>
+          </p:nvPr>
+        </p:nvSpPr>
+        <p:spPr>
+          <a:xfrm>
+            <a:off x="4223078" y="201352"/>
+            <a:ext cx="7568588" cy="2093976"/>
+          </a:xfrm>
+          <a:prstGeom prst="rect">
+            <a:avLst/>
+          </a:prstGeom>
+          <a:ln w="12700">
+            <a:solidFill>
+              <a:srgbClr val="DEDEDE"/>
+            </a:solidFill>
+          </a:ln>
+          <a:effectLst>
+            <a:outerShdw blurRad="50800" dist="38100" dir="2700000" algn="tl" rotWithShape="0">
+              <a:schemeClr val="bg2">
+                <a:lumMod val="85000"/>
+                <a:alpha val="50000"/>
+              </a:schemeClr>
+            </a:outerShdw>
+          </a:effectLst>
+        </p:spPr>
+        <p:style>
+          <a:lnRef idx="2">
+            <a:schemeClr val="accent1">
+              <a:shade val="50000"/>
+            </a:schemeClr>
+          </a:lnRef>
+          <a:fillRef idx="1">
+            <a:schemeClr val="accent1"/>
+          </a:fillRef>
+          <a:effectRef idx="0">
+            <a:schemeClr val="accent1"/>
+          </a:effectRef>
+          <a:fontRef idx="minor">
+            <a:schemeClr val="lt1"/>
+          </a:fontRef>
+        </p:style>
+        <p:txBody>
+          <a:bodyPr rtlCol="0" anchor="ctr"/>
+          <a:lstStyle/>
+          <a:p>
+            <a:pPr marL="0" marR="0" lvl="0" indent="0" algn="ctr" defTabSz="914400" rtl="0" eaLnBrk="1" fontAlgn="auto" latinLnBrk="0" hangingPunct="1">
+              <a:lnSpc>
+                <a:spcPct val="100000"/>
+              </a:lnSpc>
+              <a:spcBef>
+                <a:spcPts val="0"/>
+              </a:spcBef>
+              <a:spcAft>
+                <a:spcPts val="0"/>
+              </a:spcAft>
+              <a:buClrTx/>
+              <a:buSzTx/>
+              <a:buFontTx/>
+              <a:buNone/>
+              <a:tabLst/>
+              <a:defRPr/>
+            </a:pPr>
+            <a:endParaRPr kumimoji="0" lang="en-US" sz="1800" b="0" i="0" u="none" strike="noStrike" kern="1200" cap="none" spc="0" normalizeH="0" baseline="0" noProof="0">
+              <a:ln>
+                <a:noFill/>
+              </a:ln>
+              <a:solidFill>
+                <a:prstClr val="white"/>
+              </a:solidFill>
+              <a:effectLst/>
+              <a:uLnTx/>
+              <a:uFillTx/>
+              <a:latin typeface="Calibri" panose="020F0502020204030204"/>
+              <a:ea typeface="+mn-ea"/>
+              <a:cs typeface="+mn-cs"/>
+            </a:endParaRPr>
+          </a:p>
+        </p:txBody>
+      </p:sp>
+      <p:sp>
+        <p:nvSpPr>
+          <p:cNvPr id="2" name="Cím 1">
+            <a:extLst>
+              <a:ext uri="{FF2B5EF4-FFF2-40B4-BE49-F238E27FC236}">
+                <a16:creationId xmlns:a16="http://schemas.microsoft.com/office/drawing/2014/main" id="{0BDA2F82-5CC1-8B8C-CC69-0E71A29FFF9A}"/>
+              </a:ext>
+            </a:extLst>
+          </p:cNvPr>
+          <p:cNvSpPr>
+            <a:spLocks noGrp="1"/>
+          </p:cNvSpPr>
+          <p:nvPr>
+            <p:ph type="title"/>
+          </p:nvPr>
+        </p:nvSpPr>
+        <p:spPr>
+          <a:xfrm>
+            <a:off x="4521271" y="443668"/>
+            <a:ext cx="2871216" cy="1609344"/>
+          </a:xfrm>
+        </p:spPr>
+        <p:txBody>
+          <a:bodyPr vert="horz" lIns="91440" tIns="45720" rIns="91440" bIns="45720" rtlCol="0">
+            <a:normAutofit/>
+          </a:bodyPr>
+          <a:lstStyle/>
+          <a:p>
+            <a:r>
+              <a:rPr lang="en-US" sz="2400" b="1" kern="1200">
+                <a:latin typeface="+mj-lt"/>
+                <a:ea typeface="+mj-ea"/>
+                <a:cs typeface="+mj-cs"/>
+              </a:rPr>
+              <a:t>A játékról</a:t>
+            </a:r>
+          </a:p>
+        </p:txBody>
+      </p:sp>
+      <p:sp>
+        <p:nvSpPr>
+          <p:cNvPr id="27" name="Rectangle 21">
+            <a:extLst>
+              <a:ext uri="{FF2B5EF4-FFF2-40B4-BE49-F238E27FC236}">
+                <a16:creationId xmlns:a16="http://schemas.microsoft.com/office/drawing/2014/main" id="{EDD2A13B-608C-4BE1-AC1F-62B2DAF76BF7}"/>
+              </a:ext>
+              <a:ext uri="{C183D7F6-B498-43B3-948B-1728B52AA6E4}">
+                <adec:decorative xmlns:adec="http://schemas.microsoft.com/office/drawing/2017/decorative" val="1"/>
+              </a:ext>
+            </a:extLst>
+          </p:cNvPr>
+          <p:cNvSpPr>
+            <a:spLocks noGrp="1" noRot="1" noChangeAspect="1" noMove="1" noResize="1" noEditPoints="1" noAdjustHandles="1" noChangeArrowheads="1" noChangeShapeType="1" noTextEdit="1"/>
+          </p:cNvSpPr>
+          <p:nvPr>
+            <p:extLst>
+              <p:ext uri="{386F3935-93C4-4BCD-93E2-E3B085C9AB24}">
+                <p16:designElem xmlns:p16="http://schemas.microsoft.com/office/powerpoint/2015/main" val="1"/>
+              </p:ext>
+            </p:extLst>
+          </p:nvPr>
+        </p:nvSpPr>
+        <p:spPr>
+          <a:xfrm>
+            <a:off x="4155702" y="897487"/>
+            <a:ext cx="128016" cy="704088"/>
+          </a:xfrm>
+          <a:prstGeom prst="rect">
+            <a:avLst/>
+          </a:prstGeom>
+          <a:solidFill>
+            <a:schemeClr val="accent2"/>
+          </a:solidFill>
+          <a:ln>
+            <a:noFill/>
+          </a:ln>
+        </p:spPr>
+        <p:style>
+          <a:lnRef idx="2">
+            <a:schemeClr val="accent1">
+              <a:shade val="50000"/>
+            </a:schemeClr>
+          </a:lnRef>
+          <a:fillRef idx="1">
+            <a:schemeClr val="accent1"/>
+          </a:fillRef>
+          <a:effectRef idx="0">
+            <a:schemeClr val="accent1"/>
+          </a:effectRef>
+          <a:fontRef idx="minor">
+            <a:schemeClr val="lt1"/>
+          </a:fontRef>
+        </p:style>
+        <p:txBody>
+          <a:bodyPr rtlCol="0" anchor="ctr"/>
+          <a:lstStyle/>
+          <a:p>
+            <a:pPr marL="0" marR="0" lvl="0" indent="0" algn="ctr" defTabSz="914400" rtl="0" eaLnBrk="1" fontAlgn="auto" latinLnBrk="0" hangingPunct="1">
+              <a:lnSpc>
+                <a:spcPct val="100000"/>
+              </a:lnSpc>
+              <a:spcBef>
+                <a:spcPts val="0"/>
+              </a:spcBef>
+              <a:spcAft>
+                <a:spcPts val="0"/>
+              </a:spcAft>
+              <a:buClrTx/>
+              <a:buSzTx/>
+              <a:buFontTx/>
+              <a:buNone/>
+              <a:tabLst/>
+              <a:defRPr/>
+            </a:pPr>
+            <a:endParaRPr kumimoji="0" lang="en-US" sz="1800" b="0" i="0" u="none" strike="noStrike" kern="1200" cap="none" spc="0" normalizeH="0" baseline="0" noProof="0" dirty="0">
+              <a:ln>
+                <a:noFill/>
+              </a:ln>
+              <a:solidFill>
+                <a:prstClr val="white"/>
+              </a:solidFill>
+              <a:effectLst/>
+              <a:uLnTx/>
+              <a:uFillTx/>
+              <a:latin typeface="Calibri" panose="020F0502020204030204"/>
+              <a:ea typeface="+mn-ea"/>
+              <a:cs typeface="+mn-cs"/>
+            </a:endParaRPr>
+          </a:p>
+        </p:txBody>
+      </p:sp>
+      <p:sp>
+        <p:nvSpPr>
+          <p:cNvPr id="24" name="Rectangle 23">
+            <a:extLst>
+              <a:ext uri="{FF2B5EF4-FFF2-40B4-BE49-F238E27FC236}">
+                <a16:creationId xmlns:a16="http://schemas.microsoft.com/office/drawing/2014/main" id="{977038ED-F717-467A-8D75-D8441BB92668}"/>
+              </a:ext>
+              <a:ext uri="{C183D7F6-B498-43B3-948B-1728B52AA6E4}">
+                <adec:decorative xmlns:adec="http://schemas.microsoft.com/office/drawing/2017/decorative" val="1"/>
+              </a:ext>
+            </a:extLst>
+          </p:cNvPr>
+          <p:cNvSpPr>
+            <a:spLocks noGrp="1" noRot="1" noChangeAspect="1" noMove="1" noResize="1" noEditPoints="1" noAdjustHandles="1" noChangeArrowheads="1" noChangeShapeType="1" noTextEdit="1"/>
+          </p:cNvSpPr>
+          <p:nvPr>
+            <p:extLst>
+              <p:ext uri="{386F3935-93C4-4BCD-93E2-E3B085C9AB24}">
+                <p16:designElem xmlns:p16="http://schemas.microsoft.com/office/powerpoint/2015/main" val="1"/>
+              </p:ext>
+            </p:extLst>
+          </p:nvPr>
+        </p:nvSpPr>
+        <p:spPr>
+          <a:xfrm rot="5400000">
+            <a:off x="6854550" y="1239196"/>
+            <a:ext cx="1463040" cy="18288"/>
+          </a:xfrm>
+          <a:prstGeom prst="rect">
+            <a:avLst/>
+          </a:prstGeom>
+          <a:solidFill>
+            <a:srgbClr val="D5D5D5"/>
+          </a:solidFill>
+          <a:ln w="3175">
+            <a:noFill/>
+          </a:ln>
+          <a:effectLst/>
+        </p:spPr>
+        <p:style>
+          <a:lnRef idx="2">
+            <a:schemeClr val="accent1">
+              <a:shade val="50000"/>
+            </a:schemeClr>
+          </a:lnRef>
+          <a:fillRef idx="1">
+            <a:schemeClr val="accent1"/>
+          </a:fillRef>
+          <a:effectRef idx="0">
+            <a:schemeClr val="accent1"/>
+          </a:effectRef>
+          <a:fontRef idx="minor">
+            <a:schemeClr val="lt1"/>
+          </a:fontRef>
+        </p:style>
+        <p:txBody>
+          <a:bodyPr rtlCol="0" anchor="ctr"/>
+          <a:lstStyle/>
+          <a:p>
+            <a:pPr marL="0" marR="0" lvl="0" indent="0" algn="ctr" defTabSz="914400" rtl="0" eaLnBrk="1" fontAlgn="auto" latinLnBrk="0" hangingPunct="1">
+              <a:lnSpc>
+                <a:spcPct val="100000"/>
+              </a:lnSpc>
+              <a:spcBef>
+                <a:spcPts val="0"/>
+              </a:spcBef>
+              <a:spcAft>
+                <a:spcPts val="0"/>
+              </a:spcAft>
+              <a:buClrTx/>
+              <a:buSzTx/>
+              <a:buFontTx/>
+              <a:buNone/>
+              <a:tabLst/>
+              <a:defRPr/>
+            </a:pPr>
+            <a:endParaRPr kumimoji="0" lang="en-US" sz="1800" b="0" i="0" u="none" strike="noStrike" kern="1200" cap="none" spc="0" normalizeH="0" baseline="0" noProof="0">
+              <a:ln>
+                <a:noFill/>
+              </a:ln>
+              <a:solidFill>
+                <a:prstClr val="white"/>
+              </a:solidFill>
+              <a:effectLst/>
+              <a:uLnTx/>
+              <a:uFillTx/>
+              <a:latin typeface="Calibri" panose="020F0502020204030204"/>
+              <a:ea typeface="+mn-ea"/>
+              <a:cs typeface="+mn-cs"/>
+            </a:endParaRPr>
+          </a:p>
+        </p:txBody>
+      </p:sp>
+      <p:sp>
+        <p:nvSpPr>
+          <p:cNvPr id="15" name="Content Placeholder 14">
+            <a:extLst>
+              <a:ext uri="{FF2B5EF4-FFF2-40B4-BE49-F238E27FC236}">
+                <a16:creationId xmlns:a16="http://schemas.microsoft.com/office/drawing/2014/main" id="{94DF5763-6171-A62A-3A16-4A9FB66E80C7}"/>
+              </a:ext>
+            </a:extLst>
+          </p:cNvPr>
+          <p:cNvSpPr>
+            <a:spLocks noGrp="1"/>
+          </p:cNvSpPr>
+          <p:nvPr>
+            <p:ph idx="1"/>
+          </p:nvPr>
+        </p:nvSpPr>
+        <p:spPr>
+          <a:xfrm>
+            <a:off x="7791391" y="443668"/>
+            <a:ext cx="3712464" cy="1609344"/>
+          </a:xfrm>
+        </p:spPr>
+        <p:txBody>
+          <a:bodyPr anchor="ctr">
+            <a:normAutofit/>
+          </a:bodyPr>
+          <a:lstStyle/>
+          <a:p>
+            <a:endParaRPr lang="en-US" sz="1700"/>
+          </a:p>
+        </p:txBody>
+      </p:sp>
+      <p:pic>
+        <p:nvPicPr>
+          <p:cNvPr id="6" name="Kép 5" descr="A képen szöveg, képernyőkép, szoftver látható&#10;&#10;Automatikusan generált leírás">
+            <a:extLst>
+              <a:ext uri="{FF2B5EF4-FFF2-40B4-BE49-F238E27FC236}">
+                <a16:creationId xmlns:a16="http://schemas.microsoft.com/office/drawing/2014/main" id="{5059C27B-5FE1-6EC2-4CEE-FB616255ED78}"/>
+              </a:ext>
+            </a:extLst>
+          </p:cNvPr>
+          <p:cNvPicPr>
+            <a:picLocks noChangeAspect="1"/>
+          </p:cNvPicPr>
+          <p:nvPr/>
+        </p:nvPicPr>
+        <p:blipFill rotWithShape="1">
+          <a:blip r:embed="rId3">
+            <a:extLst>
+              <a:ext uri="{28A0092B-C50C-407E-A947-70E740481C1C}">
+                <a14:useLocalDpi xmlns:a14="http://schemas.microsoft.com/office/drawing/2010/main" val="0"/>
+              </a:ext>
+            </a:extLst>
+          </a:blip>
+          <a:srcRect r="17575" b="1"/>
+          <a:stretch/>
+        </p:blipFill>
+        <p:spPr>
+          <a:xfrm>
+            <a:off x="4155702" y="2573434"/>
+            <a:ext cx="3922776" cy="3735926"/>
+          </a:xfrm>
+          <a:prstGeom prst="rect">
+            <a:avLst/>
+          </a:prstGeom>
+        </p:spPr>
+      </p:pic>
+      <p:pic>
+        <p:nvPicPr>
+          <p:cNvPr id="4" name="Tartalom helye 3" descr="A képen képernyőkép, diagram, sor, szöveg látható&#10;&#10;Automatikusan generált leírás">
+            <a:extLst>
+              <a:ext uri="{FF2B5EF4-FFF2-40B4-BE49-F238E27FC236}">
+                <a16:creationId xmlns:a16="http://schemas.microsoft.com/office/drawing/2014/main" id="{CED85AC6-5734-C149-1466-30E68BB7ABED}"/>
+              </a:ext>
+            </a:extLst>
+          </p:cNvPr>
+          <p:cNvPicPr>
+            <a:picLocks noChangeAspect="1"/>
+          </p:cNvPicPr>
+          <p:nvPr/>
+        </p:nvPicPr>
+        <p:blipFill rotWithShape="1">
+          <a:blip r:embed="rId4">
+            <a:extLst>
+              <a:ext uri="{28A0092B-C50C-407E-A947-70E740481C1C}">
+                <a14:useLocalDpi xmlns:a14="http://schemas.microsoft.com/office/drawing/2010/main" val="0"/>
+              </a:ext>
+            </a:extLst>
+          </a:blip>
+          <a:srcRect l="20427" r="23127" b="2"/>
+          <a:stretch/>
+        </p:blipFill>
+        <p:spPr>
+          <a:xfrm>
+            <a:off x="8290932" y="2560123"/>
+            <a:ext cx="3901068" cy="3749236"/>
+          </a:xfrm>
+          <a:prstGeom prst="rect">
+            <a:avLst/>
+          </a:prstGeom>
+        </p:spPr>
+      </p:pic>
+    </p:spTree>
+    <p:extLst>
+      <p:ext uri="{BB962C8B-B14F-4D97-AF65-F5344CB8AC3E}">
+        <p14:creationId xmlns:p14="http://schemas.microsoft.com/office/powerpoint/2010/main" val="2369309049"/>
+      </p:ext>
+    </p:extLst>
+  </p:cSld>
+  <p:clrMapOvr>
+    <a:masterClrMapping/>
+  </p:clrMapOvr>
+</p:sld>
+</file>
+
+<file path=ppt/slides/slide7.xml><?xml version="1.0" encoding="utf-8"?>
+<p:sld xmlns:a="http://schemas.openxmlformats.org/drawingml/2006/main" xmlns:r="http://schemas.openxmlformats.org/officeDocument/2006/relationships" xmlns:p="http://schemas.openxmlformats.org/presentationml/2006/main">
+  <p:cSld>
     <p:spTree>
       <p:nvGrpSpPr>
         <p:cNvPr id="1" name=""/>
@@ -10503,7 +11067,7 @@
 </p:sld>
 </file>
 
-<file path=ppt/slides/slide7.xml><?xml version="1.0" encoding="utf-8"?>
+<file path=ppt/slides/slide8.xml><?xml version="1.0" encoding="utf-8"?>
 <p:sld xmlns:a="http://schemas.openxmlformats.org/drawingml/2006/main" xmlns:r="http://schemas.openxmlformats.org/officeDocument/2006/relationships" xmlns:p="http://schemas.openxmlformats.org/presentationml/2006/main">
   <p:cSld>
     <p:bg>
